--- a/android/asynctask/doc/slides.pptx
+++ b/android/asynctask/doc/slides.pptx
@@ -200,7 +200,7 @@
           <a:p>
             <a:fld id="{BF6437F6-DFE5-4F55-90F8-67CAAF16719B}" type="datetimeFigureOut">
               <a:rPr lang="en-US" smtClean="0"/>
-              <a:t>7/30/2015</a:t>
+              <a:t>8/6/2015</a:t>
             </a:fld>
             <a:endParaRPr lang="en-US"/>
           </a:p>
@@ -3731,66 +3731,6 @@
           <a:chExt cx="0" cy="0"/>
         </a:xfrm>
       </p:grpSpPr>
-      <p:pic>
-        <p:nvPicPr>
-          <p:cNvPr id="4" name="Picture 3"/>
-          <p:cNvPicPr>
-            <a:picLocks noChangeAspect="1"/>
-          </p:cNvPicPr>
-          <p:nvPr/>
-        </p:nvPicPr>
-        <p:blipFill>
-          <a:blip r:embed="rId2" cstate="print">
-            <a:extLst>
-              <a:ext uri="{28A0092B-C50C-407E-A947-70E740481C1C}">
-                <a14:useLocalDpi xmlns:a14="http://schemas.microsoft.com/office/drawing/2010/main" val="0"/>
-              </a:ext>
-            </a:extLst>
-          </a:blip>
-          <a:stretch>
-            <a:fillRect/>
-          </a:stretch>
-        </p:blipFill>
-        <p:spPr>
-          <a:xfrm>
-            <a:off x="805679" y="618306"/>
-            <a:ext cx="3857625" cy="5499463"/>
-          </a:xfrm>
-          <a:prstGeom prst="rect">
-            <a:avLst/>
-          </a:prstGeom>
-        </p:spPr>
-      </p:pic>
-      <p:pic>
-        <p:nvPicPr>
-          <p:cNvPr id="5" name="Picture 4"/>
-          <p:cNvPicPr>
-            <a:picLocks noChangeAspect="1"/>
-          </p:cNvPicPr>
-          <p:nvPr/>
-        </p:nvPicPr>
-        <p:blipFill>
-          <a:blip r:embed="rId3" cstate="print">
-            <a:extLst>
-              <a:ext uri="{28A0092B-C50C-407E-A947-70E740481C1C}">
-                <a14:useLocalDpi xmlns:a14="http://schemas.microsoft.com/office/drawing/2010/main" val="0"/>
-              </a:ext>
-            </a:extLst>
-          </a:blip>
-          <a:stretch>
-            <a:fillRect/>
-          </a:stretch>
-        </p:blipFill>
-        <p:spPr>
-          <a:xfrm>
-            <a:off x="7607072" y="618306"/>
-            <a:ext cx="3857625" cy="5499464"/>
-          </a:xfrm>
-          <a:prstGeom prst="rect">
-            <a:avLst/>
-          </a:prstGeom>
-        </p:spPr>
-      </p:pic>
       <p:sp>
         <p:nvSpPr>
           <p:cNvPr id="6" name="TextBox 5"/>
@@ -3930,6 +3870,66 @@
           </a:p>
         </p:txBody>
       </p:sp>
+      <p:pic>
+        <p:nvPicPr>
+          <p:cNvPr id="2" name="Picture 1"/>
+          <p:cNvPicPr>
+            <a:picLocks noChangeAspect="1"/>
+          </p:cNvPicPr>
+          <p:nvPr/>
+        </p:nvPicPr>
+        <p:blipFill>
+          <a:blip r:embed="rId2" cstate="print">
+            <a:extLst>
+              <a:ext uri="{28A0092B-C50C-407E-A947-70E740481C1C}">
+                <a14:useLocalDpi xmlns:a14="http://schemas.microsoft.com/office/drawing/2010/main" val="0"/>
+              </a:ext>
+            </a:extLst>
+          </a:blip>
+          <a:stretch>
+            <a:fillRect/>
+          </a:stretch>
+        </p:blipFill>
+        <p:spPr>
+          <a:xfrm>
+            <a:off x="1633452" y="841919"/>
+            <a:ext cx="2707176" cy="4812756"/>
+          </a:xfrm>
+          <a:prstGeom prst="rect">
+            <a:avLst/>
+          </a:prstGeom>
+        </p:spPr>
+      </p:pic>
+      <p:pic>
+        <p:nvPicPr>
+          <p:cNvPr id="3" name="Picture 2"/>
+          <p:cNvPicPr>
+            <a:picLocks noChangeAspect="1"/>
+          </p:cNvPicPr>
+          <p:nvPr/>
+        </p:nvPicPr>
+        <p:blipFill>
+          <a:blip r:embed="rId3" cstate="print">
+            <a:extLst>
+              <a:ext uri="{28A0092B-C50C-407E-A947-70E740481C1C}">
+                <a14:useLocalDpi xmlns:a14="http://schemas.microsoft.com/office/drawing/2010/main" val="0"/>
+              </a:ext>
+            </a:extLst>
+          </a:blip>
+          <a:stretch>
+            <a:fillRect/>
+          </a:stretch>
+        </p:blipFill>
+        <p:spPr>
+          <a:xfrm>
+            <a:off x="7481588" y="787490"/>
+            <a:ext cx="2768410" cy="4921614"/>
+          </a:xfrm>
+          <a:prstGeom prst="rect">
+            <a:avLst/>
+          </a:prstGeom>
+        </p:spPr>
+      </p:pic>
     </p:spTree>
     <p:extLst>
       <p:ext uri="{BB962C8B-B14F-4D97-AF65-F5344CB8AC3E}">
